--- a/Sunular/JAVA OOP - Part 4.pptx
+++ b/Sunular/JAVA OOP - Part 4.pptx
@@ -3854,7 +3854,26 @@
           </a:bodyPr>
           <a:lstStyle/>
           <a:p>
-            <a:pPr algn="r"/>
+            <a:pPr algn="l"/>
+            <a:r>
+              <a:rPr lang="tr-TR" dirty="0" err="1"/>
+              <a:t>Doc</a:t>
+            </a:r>
+            <a:r>
+              <a:rPr lang="tr-TR" dirty="0"/>
+              <a:t>. Dr. Mehmet </a:t>
+            </a:r>
+            <a:r>
+              <a:rPr lang="tr-TR" dirty="0" err="1"/>
+              <a:t>akif</a:t>
+            </a:r>
+            <a:r>
+              <a:rPr lang="tr-TR"/>
+              <a:t> çiftçi</a:t>
+            </a:r>
+          </a:p>
+          <a:p>
+            <a:pPr algn="l"/>
             <a:endParaRPr lang="tr-TR" dirty="0"/>
           </a:p>
         </p:txBody>
